--- a/Wprowadzenie do rekurencji/III. Wprowadzenie do rekurencji/Drzewo Binarne - algorytm.pptx
+++ b/Wprowadzenie do rekurencji/III. Wprowadzenie do rekurencji/Drzewo Binarne - algorytm.pptx
@@ -7,22 +7,23 @@
   <p:sldIdLst>
     <p:sldId id="256" r:id="rId2"/>
     <p:sldId id="257" r:id="rId3"/>
-    <p:sldId id="258" r:id="rId4"/>
+    <p:sldId id="280" r:id="rId4"/>
     <p:sldId id="259" r:id="rId5"/>
     <p:sldId id="275" r:id="rId6"/>
     <p:sldId id="276" r:id="rId7"/>
     <p:sldId id="277" r:id="rId8"/>
-    <p:sldId id="263" r:id="rId9"/>
-    <p:sldId id="267" r:id="rId10"/>
-    <p:sldId id="268" r:id="rId11"/>
-    <p:sldId id="269" r:id="rId12"/>
-    <p:sldId id="270" r:id="rId13"/>
-    <p:sldId id="271" r:id="rId14"/>
-    <p:sldId id="272" r:id="rId15"/>
-    <p:sldId id="273" r:id="rId16"/>
-    <p:sldId id="274" r:id="rId17"/>
-    <p:sldId id="278" r:id="rId18"/>
-    <p:sldId id="279" r:id="rId19"/>
+    <p:sldId id="258" r:id="rId9"/>
+    <p:sldId id="263" r:id="rId10"/>
+    <p:sldId id="267" r:id="rId11"/>
+    <p:sldId id="268" r:id="rId12"/>
+    <p:sldId id="269" r:id="rId13"/>
+    <p:sldId id="270" r:id="rId14"/>
+    <p:sldId id="271" r:id="rId15"/>
+    <p:sldId id="272" r:id="rId16"/>
+    <p:sldId id="273" r:id="rId17"/>
+    <p:sldId id="274" r:id="rId18"/>
+    <p:sldId id="278" r:id="rId19"/>
+    <p:sldId id="279" r:id="rId20"/>
   </p:sldIdLst>
   <p:sldSz cx="12192000" cy="6858000"/>
   <p:notesSz cx="6858000" cy="9144000"/>
@@ -288,7 +289,7 @@
             <a:fld id="{AF7D8149-E747-4274-9593-B4A7CEFF3B2D}" type="datetimeFigureOut">
               <a:rPr lang="pl-PL" smtClean="0"/>
               <a:pPr/>
-              <a:t>05.06.2018</a:t>
+              <a:t>06.06.2018</a:t>
             </a:fld>
             <a:endParaRPr lang="pl-PL"/>
           </a:p>
@@ -488,7 +489,7 @@
             <a:fld id="{AF7D8149-E747-4274-9593-B4A7CEFF3B2D}" type="datetimeFigureOut">
               <a:rPr lang="pl-PL" smtClean="0"/>
               <a:pPr/>
-              <a:t>05.06.2018</a:t>
+              <a:t>06.06.2018</a:t>
             </a:fld>
             <a:endParaRPr lang="pl-PL"/>
           </a:p>
@@ -698,7 +699,7 @@
             <a:fld id="{AF7D8149-E747-4274-9593-B4A7CEFF3B2D}" type="datetimeFigureOut">
               <a:rPr lang="pl-PL" smtClean="0"/>
               <a:pPr/>
-              <a:t>05.06.2018</a:t>
+              <a:t>06.06.2018</a:t>
             </a:fld>
             <a:endParaRPr lang="pl-PL"/>
           </a:p>
@@ -898,7 +899,7 @@
             <a:fld id="{AF7D8149-E747-4274-9593-B4A7CEFF3B2D}" type="datetimeFigureOut">
               <a:rPr lang="pl-PL" smtClean="0"/>
               <a:pPr/>
-              <a:t>05.06.2018</a:t>
+              <a:t>06.06.2018</a:t>
             </a:fld>
             <a:endParaRPr lang="pl-PL"/>
           </a:p>
@@ -1175,7 +1176,7 @@
             <a:fld id="{AF7D8149-E747-4274-9593-B4A7CEFF3B2D}" type="datetimeFigureOut">
               <a:rPr lang="pl-PL" smtClean="0"/>
               <a:pPr/>
-              <a:t>05.06.2018</a:t>
+              <a:t>06.06.2018</a:t>
             </a:fld>
             <a:endParaRPr lang="pl-PL"/>
           </a:p>
@@ -1442,7 +1443,7 @@
             <a:fld id="{AF7D8149-E747-4274-9593-B4A7CEFF3B2D}" type="datetimeFigureOut">
               <a:rPr lang="pl-PL" smtClean="0"/>
               <a:pPr/>
-              <a:t>05.06.2018</a:t>
+              <a:t>06.06.2018</a:t>
             </a:fld>
             <a:endParaRPr lang="pl-PL"/>
           </a:p>
@@ -1856,7 +1857,7 @@
             <a:fld id="{AF7D8149-E747-4274-9593-B4A7CEFF3B2D}" type="datetimeFigureOut">
               <a:rPr lang="pl-PL" smtClean="0"/>
               <a:pPr/>
-              <a:t>05.06.2018</a:t>
+              <a:t>06.06.2018</a:t>
             </a:fld>
             <a:endParaRPr lang="pl-PL"/>
           </a:p>
@@ -1999,7 +2000,7 @@
             <a:fld id="{AF7D8149-E747-4274-9593-B4A7CEFF3B2D}" type="datetimeFigureOut">
               <a:rPr lang="pl-PL" smtClean="0"/>
               <a:pPr/>
-              <a:t>05.06.2018</a:t>
+              <a:t>06.06.2018</a:t>
             </a:fld>
             <a:endParaRPr lang="pl-PL"/>
           </a:p>
@@ -2114,7 +2115,7 @@
             <a:fld id="{AF7D8149-E747-4274-9593-B4A7CEFF3B2D}" type="datetimeFigureOut">
               <a:rPr lang="pl-PL" smtClean="0"/>
               <a:pPr/>
-              <a:t>05.06.2018</a:t>
+              <a:t>06.06.2018</a:t>
             </a:fld>
             <a:endParaRPr lang="pl-PL"/>
           </a:p>
@@ -2427,7 +2428,7 @@
             <a:fld id="{AF7D8149-E747-4274-9593-B4A7CEFF3B2D}" type="datetimeFigureOut">
               <a:rPr lang="pl-PL" smtClean="0"/>
               <a:pPr/>
-              <a:t>05.06.2018</a:t>
+              <a:t>06.06.2018</a:t>
             </a:fld>
             <a:endParaRPr lang="pl-PL"/>
           </a:p>
@@ -2717,7 +2718,7 @@
             <a:fld id="{AF7D8149-E747-4274-9593-B4A7CEFF3B2D}" type="datetimeFigureOut">
               <a:rPr lang="pl-PL" smtClean="0"/>
               <a:pPr/>
-              <a:t>05.06.2018</a:t>
+              <a:t>06.06.2018</a:t>
             </a:fld>
             <a:endParaRPr lang="pl-PL"/>
           </a:p>
@@ -2960,7 +2961,7 @@
             <a:fld id="{AF7D8149-E747-4274-9593-B4A7CEFF3B2D}" type="datetimeFigureOut">
               <a:rPr lang="pl-PL" smtClean="0"/>
               <a:pPr/>
-              <a:t>05.06.2018</a:t>
+              <a:t>06.06.2018</a:t>
             </a:fld>
             <a:endParaRPr lang="pl-PL"/>
           </a:p>
@@ -3469,7 +3470,7 @@
           <p:cNvPr id="2" name="Tytuł 1">
             <a:extLst>
               <a:ext uri="{FF2B5EF4-FFF2-40B4-BE49-F238E27FC236}">
-                <a16:creationId xmlns:a16="http://schemas.microsoft.com/office/drawing/2014/main" id="{5C70246F-AAF1-6840-8095-80C3CF11CBB0}"/>
+                <a16:creationId xmlns:a16="http://schemas.microsoft.com/office/drawing/2014/main" id="{CB489173-1272-CF41-8C24-BCD29AB023C3}"/>
               </a:ext>
             </a:extLst>
           </p:cNvPr>
@@ -3487,7 +3488,7 @@
           <a:p>
             <a:r>
               <a:rPr lang="pl-PL" dirty="0"/>
-              <a:t>Ogólny przykład funkcji rekurencyjnej</a:t>
+              <a:t>Konstrukcja algorytmu c.d.</a:t>
             </a:r>
           </a:p>
         </p:txBody>
@@ -3497,7 +3498,7 @@
           <p:cNvPr id="3" name="Symbol zastępczy zawartości 2">
             <a:extLst>
               <a:ext uri="{FF2B5EF4-FFF2-40B4-BE49-F238E27FC236}">
-                <a16:creationId xmlns:a16="http://schemas.microsoft.com/office/drawing/2014/main" id="{3A980E38-6C94-8B48-8F39-CD2D52F551D8}"/>
+                <a16:creationId xmlns:a16="http://schemas.microsoft.com/office/drawing/2014/main" id="{04085F3C-C782-034F-95D9-E754B58159B0}"/>
               </a:ext>
             </a:extLst>
           </p:cNvPr>
@@ -3513,27 +3514,33 @@
           <a:bodyPr/>
           <a:lstStyle/>
           <a:p>
-            <a:pPr marL="0" indent="0">
+            <a:pPr>
               <a:lnSpc>
                 <a:spcPct val="100000"/>
               </a:lnSpc>
-              <a:buNone/>
             </a:pPr>
             <a:r>
+              <a:rPr lang="pl-PL" dirty="0"/>
+              <a:t>Jeśli wiemy już jak będziemy korzystać z rekurencji możemy przystąpić do konstrukcji </a:t>
+            </a:r>
+            <a:r>
               <a:rPr lang="pl-PL" b="1" dirty="0"/>
-              <a:t>FREK</a:t>
+              <a:t>funkcji rekurencyjnej</a:t>
             </a:r>
             <a:r>
               <a:rPr lang="pl-PL" dirty="0"/>
-              <a:t> (</a:t>
-            </a:r>
-            <a:r>
-              <a:rPr lang="pl-PL" i="1" dirty="0"/>
-              <a:t>parametry</a:t>
-            </a:r>
+              <a:t>.</a:t>
+            </a:r>
+          </a:p>
+          <a:p>
+            <a:pPr>
+              <a:lnSpc>
+                <a:spcPct val="100000"/>
+              </a:lnSpc>
+            </a:pPr>
             <a:r>
               <a:rPr lang="pl-PL" dirty="0"/>
-              <a:t>)</a:t>
+              <a:t>Szczególnie zadbać musimy o to, aby:</a:t>
             </a:r>
           </a:p>
           <a:p>
@@ -3546,21 +3553,16 @@
             </a:pPr>
             <a:r>
               <a:rPr lang="pl-PL" sz="2800" dirty="0"/>
-              <a:t>Jeżeli (warunek stopu spełniony), to: </a:t>
-            </a:r>
-            <a:r>
-              <a:rPr lang="pl-PL" sz="2800" b="1" u="sng" dirty="0">
+              <a:t>Rekurencja zatrzymała się w odpowiednim momencie – </a:t>
+            </a:r>
+            <a:r>
+              <a:rPr lang="pl-PL" sz="2800" b="1" i="1" u="sng" dirty="0">
                 <a:solidFill>
                   <a:srgbClr val="FF0000"/>
                 </a:solidFill>
               </a:rPr>
-              <a:t>STOP</a:t>
-            </a:r>
-            <a:endParaRPr lang="pl-PL" sz="2400" b="1" u="sng" dirty="0">
-              <a:solidFill>
-                <a:srgbClr val="FF0000"/>
-              </a:solidFill>
-            </a:endParaRPr>
+              <a:t>warunek stopu</a:t>
+            </a:r>
           </a:p>
           <a:p>
             <a:pPr marL="971550" lvl="1" indent="-514350">
@@ -3572,39 +3574,7 @@
             </a:pPr>
             <a:r>
               <a:rPr lang="pl-PL" sz="2800" dirty="0"/>
-              <a:t>Wywołanie rekurencyjne </a:t>
-            </a:r>
-            <a:r>
-              <a:rPr lang="pl-PL" sz="2800" b="1" dirty="0">
-                <a:solidFill>
-                  <a:schemeClr val="accent6"/>
-                </a:solidFill>
-              </a:rPr>
-              <a:t>FREK</a:t>
-            </a:r>
-            <a:r>
-              <a:rPr lang="pl-PL" sz="2800" dirty="0">
-                <a:solidFill>
-                  <a:schemeClr val="accent6"/>
-                </a:solidFill>
-              </a:rPr>
-              <a:t>(</a:t>
-            </a:r>
-            <a:r>
-              <a:rPr lang="pl-PL" sz="2800" i="1" dirty="0">
-                <a:solidFill>
-                  <a:schemeClr val="accent6"/>
-                </a:solidFill>
-              </a:rPr>
-              <a:t>odpowiednio zmodyfikowane parametry</a:t>
-            </a:r>
-            <a:r>
-              <a:rPr lang="pl-PL" sz="2800" dirty="0">
-                <a:solidFill>
-                  <a:schemeClr val="accent6"/>
-                </a:solidFill>
-              </a:rPr>
-              <a:t>)</a:t>
+              <a:t>Wywołania rekurencyjne miały odpowiednie wartości parametrów</a:t>
             </a:r>
           </a:p>
           <a:p>
@@ -3618,7 +3588,7 @@
     </p:spTree>
     <p:extLst>
       <p:ext uri="{BB962C8B-B14F-4D97-AF65-F5344CB8AC3E}">
-        <p14:creationId xmlns:p14="http://schemas.microsoft.com/office/powerpoint/2010/main" val="2562671566"/>
+        <p14:creationId xmlns:p14="http://schemas.microsoft.com/office/powerpoint/2010/main" val="1028150353"/>
       </p:ext>
     </p:extLst>
   </p:cSld>
@@ -3650,7 +3620,7 @@
           <p:cNvPr id="2" name="Tytuł 1">
             <a:extLst>
               <a:ext uri="{FF2B5EF4-FFF2-40B4-BE49-F238E27FC236}">
-                <a16:creationId xmlns:a16="http://schemas.microsoft.com/office/drawing/2014/main" id="{ADF12D58-8F17-FD49-808F-AE7624417684}"/>
+                <a16:creationId xmlns:a16="http://schemas.microsoft.com/office/drawing/2014/main" id="{5C70246F-AAF1-6840-8095-80C3CF11CBB0}"/>
               </a:ext>
             </a:extLst>
           </p:cNvPr>
@@ -3668,46 +3638,156 @@
           <a:p>
             <a:r>
               <a:rPr lang="pl-PL" dirty="0"/>
-              <a:t>Funkcja Drzewo Binarne - </a:t>
-            </a:r>
+              <a:t>Ogólny przykład funkcji rekurencyjnej</a:t>
+            </a:r>
+          </a:p>
+        </p:txBody>
+      </p:sp>
+      <p:sp>
+        <p:nvSpPr>
+          <p:cNvPr id="3" name="Symbol zastępczy zawartości 2">
+            <a:extLst>
+              <a:ext uri="{FF2B5EF4-FFF2-40B4-BE49-F238E27FC236}">
+                <a16:creationId xmlns:a16="http://schemas.microsoft.com/office/drawing/2014/main" id="{3A980E38-6C94-8B48-8F39-CD2D52F551D8}"/>
+              </a:ext>
+            </a:extLst>
+          </p:cNvPr>
+          <p:cNvSpPr>
+            <a:spLocks noGrp="1"/>
+          </p:cNvSpPr>
+          <p:nvPr>
+            <p:ph idx="1"/>
+          </p:nvPr>
+        </p:nvSpPr>
+        <p:spPr/>
+        <p:txBody>
+          <a:bodyPr/>
+          <a:lstStyle/>
+          <a:p>
+            <a:pPr marL="0" indent="0">
+              <a:lnSpc>
+                <a:spcPct val="100000"/>
+              </a:lnSpc>
+              <a:buNone/>
+            </a:pPr>
             <a:r>
               <a:rPr lang="pl-PL" b="1" dirty="0"/>
-              <a:t>pytania</a:t>
-            </a:r>
-          </a:p>
-        </p:txBody>
-      </p:sp>
-      <p:sp>
-        <p:nvSpPr>
-          <p:cNvPr id="3" name="Symbol zastępczy zawartości 2">
-            <a:extLst>
-              <a:ext uri="{FF2B5EF4-FFF2-40B4-BE49-F238E27FC236}">
-                <a16:creationId xmlns:a16="http://schemas.microsoft.com/office/drawing/2014/main" id="{B311AB58-8952-A440-9592-2D557AB8FAF0}"/>
-              </a:ext>
-            </a:extLst>
-          </p:cNvPr>
-          <p:cNvSpPr>
-            <a:spLocks noGrp="1"/>
-          </p:cNvSpPr>
-          <p:nvPr>
-            <p:ph idx="1"/>
-          </p:nvPr>
-        </p:nvSpPr>
-        <p:spPr/>
-        <p:txBody>
-          <a:bodyPr/>
-          <a:lstStyle/>
-          <a:p>
-            <a:pPr marL="514350" indent="-514350">
+              <a:t>FREK</a:t>
+            </a:r>
+            <a:r>
+              <a:rPr lang="pl-PL" dirty="0"/>
+              <a:t> (</a:t>
+            </a:r>
+            <a:r>
+              <a:rPr lang="pl-PL" i="1" dirty="0"/>
+              <a:t>parametry</a:t>
+            </a:r>
+            <a:r>
+              <a:rPr lang="pl-PL" dirty="0"/>
+              <a:t>)</a:t>
+            </a:r>
+          </a:p>
+          <a:p>
+            <a:pPr marL="971550" lvl="1" indent="-514350">
+              <a:lnSpc>
+                <a:spcPct val="100000"/>
+              </a:lnSpc>
               <a:buFont typeface="+mj-lt"/>
               <a:buAutoNum type="arabicPeriod"/>
             </a:pPr>
             <a:r>
-              <a:rPr lang="pl-PL" dirty="0"/>
-              <a:t>Jakie będą parametry funkcji?</a:t>
-            </a:r>
-          </a:p>
-          <a:p>
+              <a:rPr lang="pl-PL" sz="2800" dirty="0"/>
+              <a:t>[Operacje wstępne]</a:t>
+            </a:r>
+          </a:p>
+          <a:p>
+            <a:pPr marL="971550" lvl="1" indent="-514350">
+              <a:lnSpc>
+                <a:spcPct val="100000"/>
+              </a:lnSpc>
+              <a:buFont typeface="+mj-lt"/>
+              <a:buAutoNum type="arabicPeriod"/>
+            </a:pPr>
+            <a:r>
+              <a:rPr lang="pl-PL" sz="2800" dirty="0"/>
+              <a:t>Jeżeli (warunek stopu spełniony), to: </a:t>
+            </a:r>
+            <a:r>
+              <a:rPr lang="pl-PL" sz="2800" b="1" u="sng" dirty="0">
+                <a:solidFill>
+                  <a:srgbClr val="FF0000"/>
+                </a:solidFill>
+              </a:rPr>
+              <a:t>STOP</a:t>
+            </a:r>
+            <a:endParaRPr lang="pl-PL" sz="2400" b="1" u="sng" dirty="0">
+              <a:solidFill>
+                <a:srgbClr val="FF0000"/>
+              </a:solidFill>
+            </a:endParaRPr>
+          </a:p>
+          <a:p>
+            <a:pPr marL="971550" lvl="1" indent="-514350">
+              <a:lnSpc>
+                <a:spcPct val="100000"/>
+              </a:lnSpc>
+              <a:buFont typeface="+mj-lt"/>
+              <a:buAutoNum type="arabicPeriod"/>
+            </a:pPr>
+            <a:r>
+              <a:rPr lang="pl-PL" sz="2800" dirty="0"/>
+              <a:t>Wywołanie rekurencyjne </a:t>
+            </a:r>
+            <a:r>
+              <a:rPr lang="pl-PL" sz="2800" b="1" dirty="0">
+                <a:solidFill>
+                  <a:schemeClr val="accent6"/>
+                </a:solidFill>
+              </a:rPr>
+              <a:t>FREK</a:t>
+            </a:r>
+            <a:r>
+              <a:rPr lang="pl-PL" sz="2800" dirty="0">
+                <a:solidFill>
+                  <a:schemeClr val="accent6"/>
+                </a:solidFill>
+              </a:rPr>
+              <a:t>(</a:t>
+            </a:r>
+            <a:r>
+              <a:rPr lang="pl-PL" sz="2800" i="1" dirty="0">
+                <a:solidFill>
+                  <a:schemeClr val="accent6"/>
+                </a:solidFill>
+              </a:rPr>
+              <a:t>odpowiednio zmodyfikowane parametry</a:t>
+            </a:r>
+            <a:r>
+              <a:rPr lang="pl-PL" sz="2800" dirty="0">
+                <a:solidFill>
+                  <a:schemeClr val="accent6"/>
+                </a:solidFill>
+              </a:rPr>
+              <a:t>)</a:t>
+            </a:r>
+          </a:p>
+          <a:p>
+            <a:pPr marL="971550" lvl="1" indent="-514350">
+              <a:lnSpc>
+                <a:spcPct val="100000"/>
+              </a:lnSpc>
+              <a:buFont typeface="+mj-lt"/>
+              <a:buAutoNum type="arabicPeriod"/>
+            </a:pPr>
+            <a:r>
+              <a:rPr lang="pl-PL" sz="2800" dirty="0"/>
+              <a:t>[Operacje końcowe]</a:t>
+            </a:r>
+          </a:p>
+          <a:p>
+            <a:pPr marL="457200" lvl="1" indent="0">
+              <a:buNone/>
+            </a:pPr>
             <a:endParaRPr lang="pl-PL" dirty="0"/>
           </a:p>
         </p:txBody>
@@ -3715,7 +3795,7 @@
     </p:spTree>
     <p:extLst>
       <p:ext uri="{BB962C8B-B14F-4D97-AF65-F5344CB8AC3E}">
-        <p14:creationId xmlns:p14="http://schemas.microsoft.com/office/powerpoint/2010/main" val="2769640641"/>
+        <p14:creationId xmlns:p14="http://schemas.microsoft.com/office/powerpoint/2010/main" val="2562671566"/>
       </p:ext>
     </p:extLst>
   </p:cSld>
@@ -3805,41 +3885,14 @@
             </a:r>
           </a:p>
           <a:p>
-            <a:pPr lvl="1"/>
-            <a:r>
-              <a:rPr lang="pl-PL" b="1" dirty="0">
-                <a:solidFill>
-                  <a:schemeClr val="accent1"/>
-                </a:solidFill>
-              </a:rPr>
-              <a:t>Stopień</a:t>
-            </a:r>
-            <a:r>
-              <a:rPr lang="pl-PL" dirty="0"/>
-              <a:t> struktury</a:t>
-            </a:r>
-          </a:p>
-          <a:p>
-            <a:pPr lvl="1"/>
-            <a:r>
-              <a:rPr lang="pl-PL" b="1" dirty="0">
-                <a:solidFill>
-                  <a:schemeClr val="accent6"/>
-                </a:solidFill>
-              </a:rPr>
-              <a:t>Długość</a:t>
-            </a:r>
-            <a:r>
-              <a:rPr lang="pl-PL" dirty="0"/>
-              <a:t> gałęzi</a:t>
-            </a:r>
+            <a:endParaRPr lang="pl-PL" dirty="0"/>
           </a:p>
         </p:txBody>
       </p:sp>
     </p:spTree>
     <p:extLst>
       <p:ext uri="{BB962C8B-B14F-4D97-AF65-F5344CB8AC3E}">
-        <p14:creationId xmlns:p14="http://schemas.microsoft.com/office/powerpoint/2010/main" val="3966971225"/>
+        <p14:creationId xmlns:p14="http://schemas.microsoft.com/office/powerpoint/2010/main" val="2769640641"/>
       </p:ext>
     </p:extLst>
   </p:cSld>
@@ -3931,7 +3984,11 @@
           <a:p>
             <a:pPr lvl="1"/>
             <a:r>
-              <a:rPr lang="pl-PL" b="1" dirty="0"/>
+              <a:rPr lang="pl-PL" b="1" dirty="0">
+                <a:solidFill>
+                  <a:schemeClr val="accent1"/>
+                </a:solidFill>
+              </a:rPr>
               <a:t>Stopień</a:t>
             </a:r>
             <a:r>
@@ -3942,22 +3999,16 @@
           <a:p>
             <a:pPr lvl="1"/>
             <a:r>
-              <a:rPr lang="pl-PL" b="1" dirty="0"/>
+              <a:rPr lang="pl-PL" b="1" dirty="0">
+                <a:solidFill>
+                  <a:schemeClr val="accent6"/>
+                </a:solidFill>
+              </a:rPr>
               <a:t>Długość</a:t>
             </a:r>
             <a:r>
               <a:rPr lang="pl-PL" dirty="0"/>
               <a:t> gałęzi</a:t>
-            </a:r>
-          </a:p>
-          <a:p>
-            <a:pPr marL="514350" indent="-514350">
-              <a:buFont typeface="+mj-lt"/>
-              <a:buAutoNum type="arabicPeriod"/>
-            </a:pPr>
-            <a:r>
-              <a:rPr lang="pl-PL" dirty="0"/>
-              <a:t>Jaki będzie warunek stopu?</a:t>
             </a:r>
           </a:p>
         </p:txBody>
@@ -3965,7 +4016,7 @@
     </p:spTree>
     <p:extLst>
       <p:ext uri="{BB962C8B-B14F-4D97-AF65-F5344CB8AC3E}">
-        <p14:creationId xmlns:p14="http://schemas.microsoft.com/office/powerpoint/2010/main" val="2179092997"/>
+        <p14:creationId xmlns:p14="http://schemas.microsoft.com/office/powerpoint/2010/main" val="3966971225"/>
       </p:ext>
     </p:extLst>
   </p:cSld>
@@ -4086,38 +4137,12 @@
               <a:t>Jaki będzie warunek stopu?</a:t>
             </a:r>
           </a:p>
-          <a:p>
-            <a:pPr lvl="1"/>
-            <a:r>
-              <a:rPr lang="pl-PL" b="1" dirty="0">
-                <a:solidFill>
-                  <a:srgbClr val="FF0000"/>
-                </a:solidFill>
-              </a:rPr>
-              <a:t>stopień = 0</a:t>
-            </a:r>
-          </a:p>
-          <a:p>
-            <a:pPr lvl="1"/>
-            <a:r>
-              <a:rPr lang="pl-PL" dirty="0"/>
-              <a:t>Wtedy zaprzestajemy kolejnych </a:t>
-            </a:r>
-            <a:r>
-              <a:rPr lang="pl-PL" dirty="0" err="1"/>
-              <a:t>wywołań</a:t>
-            </a:r>
-            <a:r>
-              <a:rPr lang="pl-PL" dirty="0"/>
-              <a:t> rekurencyjnych</a:t>
-            </a:r>
-          </a:p>
         </p:txBody>
       </p:sp>
     </p:spTree>
     <p:extLst>
       <p:ext uri="{BB962C8B-B14F-4D97-AF65-F5344CB8AC3E}">
-        <p14:creationId xmlns:p14="http://schemas.microsoft.com/office/powerpoint/2010/main" val="206455027"/>
+        <p14:creationId xmlns:p14="http://schemas.microsoft.com/office/powerpoint/2010/main" val="2179092997"/>
       </p:ext>
     </p:extLst>
   </p:cSld>
@@ -4241,7 +4266,11 @@
           <a:p>
             <a:pPr lvl="1"/>
             <a:r>
-              <a:rPr lang="pl-PL" dirty="0"/>
+              <a:rPr lang="pl-PL" b="1" dirty="0">
+                <a:solidFill>
+                  <a:srgbClr val="FF0000"/>
+                </a:solidFill>
+              </a:rPr>
               <a:t>stopień = 0</a:t>
             </a:r>
           </a:p>
@@ -4258,16 +4287,6 @@
             <a:r>
               <a:rPr lang="pl-PL" dirty="0"/>
               <a:t> rekurencyjnych</a:t>
-            </a:r>
-          </a:p>
-          <a:p>
-            <a:pPr marL="514350" indent="-514350">
-              <a:buFont typeface="+mj-lt"/>
-              <a:buAutoNum type="arabicPeriod"/>
-            </a:pPr>
-            <a:r>
-              <a:rPr lang="pl-PL" dirty="0"/>
-              <a:t>Jak będziemy modyfikować parametry w wywołaniu rekurencyjnym?</a:t>
             </a:r>
           </a:p>
         </p:txBody>
@@ -4275,7 +4294,7 @@
     </p:spTree>
     <p:extLst>
       <p:ext uri="{BB962C8B-B14F-4D97-AF65-F5344CB8AC3E}">
-        <p14:creationId xmlns:p14="http://schemas.microsoft.com/office/powerpoint/2010/main" val="1118819362"/>
+        <p14:creationId xmlns:p14="http://schemas.microsoft.com/office/powerpoint/2010/main" val="206455027"/>
       </p:ext>
     </p:extLst>
   </p:cSld>
@@ -4383,7 +4402,7 @@
             </a:r>
             <a:r>
               <a:rPr lang="pl-PL" dirty="0"/>
-              <a:t> boku trójkąta</a:t>
+              <a:t> gałęzi</a:t>
             </a:r>
           </a:p>
           <a:p>
@@ -4428,34 +4447,12 @@
               <a:t>Jak będziemy modyfikować parametry w wywołaniu rekurencyjnym?</a:t>
             </a:r>
           </a:p>
-          <a:p>
-            <a:pPr lvl="1"/>
-            <a:r>
-              <a:rPr lang="pl-PL" b="1" dirty="0">
-                <a:solidFill>
-                  <a:schemeClr val="accent1"/>
-                </a:solidFill>
-              </a:rPr>
-              <a:t>stopień – 1</a:t>
-            </a:r>
-          </a:p>
-          <a:p>
-            <a:pPr lvl="1"/>
-            <a:r>
-              <a:rPr lang="pl-PL" b="1" dirty="0">
-                <a:solidFill>
-                  <a:schemeClr val="accent6"/>
-                </a:solidFill>
-              </a:rPr>
-              <a:t>długość / 2</a:t>
-            </a:r>
-          </a:p>
         </p:txBody>
       </p:sp>
     </p:spTree>
     <p:extLst>
       <p:ext uri="{BB962C8B-B14F-4D97-AF65-F5344CB8AC3E}">
-        <p14:creationId xmlns:p14="http://schemas.microsoft.com/office/powerpoint/2010/main" val="984138471"/>
+        <p14:creationId xmlns:p14="http://schemas.microsoft.com/office/powerpoint/2010/main" val="1118819362"/>
       </p:ext>
     </p:extLst>
   </p:cSld>
@@ -4487,7 +4484,7 @@
           <p:cNvPr id="2" name="Tytuł 1">
             <a:extLst>
               <a:ext uri="{FF2B5EF4-FFF2-40B4-BE49-F238E27FC236}">
-                <a16:creationId xmlns:a16="http://schemas.microsoft.com/office/drawing/2014/main" id="{B383624A-3B2F-422F-95F3-EFBCDC558A66}"/>
+                <a16:creationId xmlns:a16="http://schemas.microsoft.com/office/drawing/2014/main" id="{ADF12D58-8F17-FD49-808F-AE7624417684}"/>
               </a:ext>
             </a:extLst>
           </p:cNvPr>
@@ -4505,7 +4502,11 @@
           <a:p>
             <a:r>
               <a:rPr lang="pl-PL" dirty="0"/>
-              <a:t>Drzewo Binarne - spostrzeżenia</a:t>
+              <a:t>Funkcja Drzewo Binarne - </a:t>
+            </a:r>
+            <a:r>
+              <a:rPr lang="pl-PL" b="1" dirty="0"/>
+              <a:t>pytania</a:t>
             </a:r>
           </a:p>
         </p:txBody>
@@ -4515,7 +4516,7 @@
           <p:cNvPr id="3" name="Symbol zastępczy zawartości 2">
             <a:extLst>
               <a:ext uri="{FF2B5EF4-FFF2-40B4-BE49-F238E27FC236}">
-                <a16:creationId xmlns:a16="http://schemas.microsoft.com/office/drawing/2014/main" id="{97109670-5F02-4DF6-84E8-7453F2C77371}"/>
+                <a16:creationId xmlns:a16="http://schemas.microsoft.com/office/drawing/2014/main" id="{B311AB58-8952-A440-9592-2D557AB8FAF0}"/>
               </a:ext>
             </a:extLst>
           </p:cNvPr>
@@ -4528,49 +4529,110 @@
         </p:nvSpPr>
         <p:spPr/>
         <p:txBody>
-          <a:bodyPr>
-            <a:normAutofit lnSpcReduction="10000"/>
-          </a:bodyPr>
-          <a:lstStyle/>
-          <a:p>
+          <a:bodyPr/>
+          <a:lstStyle/>
+          <a:p>
+            <a:pPr marL="514350" indent="-514350">
+              <a:buFont typeface="+mj-lt"/>
+              <a:buAutoNum type="arabicPeriod"/>
+            </a:pPr>
             <a:r>
               <a:rPr lang="pl-PL" dirty="0"/>
-              <a:t>Zauważmy, że Drzewo Binarne składa się z linii (gałęzi) oraz dwóch drzew binarnych o stopniu o jeden mniejszym i połowie długości linii</a:t>
-            </a:r>
-          </a:p>
-          <a:p>
+              <a:t>Jakie będą parametry funkcji?</a:t>
+            </a:r>
+          </a:p>
+          <a:p>
+            <a:pPr lvl="1"/>
+            <a:r>
+              <a:rPr lang="pl-PL" b="1" dirty="0"/>
+              <a:t>Stopień</a:t>
+            </a:r>
             <a:r>
               <a:rPr lang="pl-PL" dirty="0"/>
-              <a:t>W takim razie najpierw musimy narysować linię idąc do przodu</a:t>
-            </a:r>
-          </a:p>
-          <a:p>
+              <a:t> struktury</a:t>
+            </a:r>
+          </a:p>
+          <a:p>
+            <a:pPr lvl="1"/>
+            <a:r>
+              <a:rPr lang="pl-PL" b="1" dirty="0"/>
+              <a:t>Długość</a:t>
+            </a:r>
             <a:r>
               <a:rPr lang="pl-PL" dirty="0"/>
-              <a:t>Następnie rysujemy lewe Drzewo Binarne – obracamy się w lewo i wykonujemy wywołanie rekurencyjne</a:t>
-            </a:r>
-          </a:p>
-          <a:p>
+              <a:t> gałęzi</a:t>
+            </a:r>
+          </a:p>
+          <a:p>
+            <a:pPr marL="514350" indent="-514350">
+              <a:buFont typeface="+mj-lt"/>
+              <a:buAutoNum type="arabicPeriod"/>
+            </a:pPr>
             <a:r>
               <a:rPr lang="pl-PL" dirty="0"/>
-              <a:t>Teraz należy narysować prawe Drzewo Binarne – obracamy się więc w prawo i wykonujemy wywołanie rekurencyjne</a:t>
-            </a:r>
-          </a:p>
-          <a:p>
+              <a:t>Jaki będzie warunek stopu?</a:t>
+            </a:r>
+          </a:p>
+          <a:p>
+            <a:pPr lvl="1"/>
             <a:r>
               <a:rPr lang="pl-PL" dirty="0"/>
-              <a:t>Zauważmy, że aby móc narysować lewe i prawe drzewo, musimy po jego narysowaniu wrócić na początek gałęzi – tak więc obracamy się do początkowego ustawienia i wracamy</a:t>
-            </a:r>
-          </a:p>
-          <a:p>
-            <a:endParaRPr lang="pl-PL" dirty="0"/>
+              <a:t>stopień = 0</a:t>
+            </a:r>
+          </a:p>
+          <a:p>
+            <a:pPr lvl="1"/>
+            <a:r>
+              <a:rPr lang="pl-PL" dirty="0"/>
+              <a:t>Wtedy zaprzestajemy kolejnych </a:t>
+            </a:r>
+            <a:r>
+              <a:rPr lang="pl-PL" dirty="0" err="1"/>
+              <a:t>wywołań</a:t>
+            </a:r>
+            <a:r>
+              <a:rPr lang="pl-PL" dirty="0"/>
+              <a:t> rekurencyjnych</a:t>
+            </a:r>
+          </a:p>
+          <a:p>
+            <a:pPr marL="514350" indent="-514350">
+              <a:buFont typeface="+mj-lt"/>
+              <a:buAutoNum type="arabicPeriod"/>
+            </a:pPr>
+            <a:r>
+              <a:rPr lang="pl-PL" dirty="0"/>
+              <a:t>Jak będziemy modyfikować parametry w wywołaniu rekurencyjnym?</a:t>
+            </a:r>
+          </a:p>
+          <a:p>
+            <a:pPr lvl="1"/>
+            <a:r>
+              <a:rPr lang="pl-PL" b="1" dirty="0">
+                <a:solidFill>
+                  <a:schemeClr val="accent1"/>
+                </a:solidFill>
+              </a:rPr>
+              <a:t>stopień – 1</a:t>
+            </a:r>
+          </a:p>
+          <a:p>
+            <a:pPr lvl="1"/>
+            <a:r>
+              <a:rPr lang="pl-PL" b="1" dirty="0">
+                <a:solidFill>
+                  <a:schemeClr val="accent6"/>
+                </a:solidFill>
+              </a:rPr>
+              <a:t>długość / 2</a:t>
+            </a:r>
           </a:p>
         </p:txBody>
       </p:sp>
     </p:spTree>
     <p:extLst>
       <p:ext uri="{BB962C8B-B14F-4D97-AF65-F5344CB8AC3E}">
-        <p14:creationId xmlns:p14="http://schemas.microsoft.com/office/powerpoint/2010/main" val="3432004068"/>
+        <p14:creationId xmlns:p14="http://schemas.microsoft.com/office/powerpoint/2010/main" val="984138471"/>
       </p:ext>
     </p:extLst>
   </p:cSld>
@@ -4602,6 +4664,121 @@
           <p:cNvPr id="2" name="Tytuł 1">
             <a:extLst>
               <a:ext uri="{FF2B5EF4-FFF2-40B4-BE49-F238E27FC236}">
+                <a16:creationId xmlns:a16="http://schemas.microsoft.com/office/drawing/2014/main" id="{B383624A-3B2F-422F-95F3-EFBCDC558A66}"/>
+              </a:ext>
+            </a:extLst>
+          </p:cNvPr>
+          <p:cNvSpPr>
+            <a:spLocks noGrp="1"/>
+          </p:cNvSpPr>
+          <p:nvPr>
+            <p:ph type="title"/>
+          </p:nvPr>
+        </p:nvSpPr>
+        <p:spPr/>
+        <p:txBody>
+          <a:bodyPr/>
+          <a:lstStyle/>
+          <a:p>
+            <a:r>
+              <a:rPr lang="pl-PL" dirty="0"/>
+              <a:t>Drzewo Binarne - spostrzeżenia</a:t>
+            </a:r>
+          </a:p>
+        </p:txBody>
+      </p:sp>
+      <p:sp>
+        <p:nvSpPr>
+          <p:cNvPr id="3" name="Symbol zastępczy zawartości 2">
+            <a:extLst>
+              <a:ext uri="{FF2B5EF4-FFF2-40B4-BE49-F238E27FC236}">
+                <a16:creationId xmlns:a16="http://schemas.microsoft.com/office/drawing/2014/main" id="{97109670-5F02-4DF6-84E8-7453F2C77371}"/>
+              </a:ext>
+            </a:extLst>
+          </p:cNvPr>
+          <p:cNvSpPr>
+            <a:spLocks noGrp="1"/>
+          </p:cNvSpPr>
+          <p:nvPr>
+            <p:ph idx="1"/>
+          </p:nvPr>
+        </p:nvSpPr>
+        <p:spPr/>
+        <p:txBody>
+          <a:bodyPr>
+            <a:normAutofit lnSpcReduction="10000"/>
+          </a:bodyPr>
+          <a:lstStyle/>
+          <a:p>
+            <a:r>
+              <a:rPr lang="pl-PL" dirty="0"/>
+              <a:t>Zauważmy, że Drzewo Binarne składa się z linii (gałęzi) oraz dwóch drzew binarnych o stopniu o jeden mniejszym i połowie długości linii</a:t>
+            </a:r>
+          </a:p>
+          <a:p>
+            <a:r>
+              <a:rPr lang="pl-PL" dirty="0"/>
+              <a:t>W takim razie najpierw musimy narysować linię idąc do przodu</a:t>
+            </a:r>
+          </a:p>
+          <a:p>
+            <a:r>
+              <a:rPr lang="pl-PL" dirty="0"/>
+              <a:t>Następnie rysujemy lewe Drzewo Binarne – obracamy się w lewo i wykonujemy wywołanie rekurencyjne</a:t>
+            </a:r>
+          </a:p>
+          <a:p>
+            <a:r>
+              <a:rPr lang="pl-PL" dirty="0"/>
+              <a:t>Teraz należy narysować prawe Drzewo Binarne – obracamy się więc w prawo i wykonujemy wywołanie rekurencyjne</a:t>
+            </a:r>
+          </a:p>
+          <a:p>
+            <a:r>
+              <a:rPr lang="pl-PL" dirty="0"/>
+              <a:t>Zauważmy, że aby móc narysować lewe i prawe drzewo, musimy po jego narysowaniu wrócić na początek gałęzi – tak więc obracamy się do początkowego ustawienia i wracamy</a:t>
+            </a:r>
+          </a:p>
+          <a:p>
+            <a:endParaRPr lang="pl-PL" dirty="0"/>
+          </a:p>
+        </p:txBody>
+      </p:sp>
+    </p:spTree>
+    <p:extLst>
+      <p:ext uri="{BB962C8B-B14F-4D97-AF65-F5344CB8AC3E}">
+        <p14:creationId xmlns:p14="http://schemas.microsoft.com/office/powerpoint/2010/main" val="3432004068"/>
+      </p:ext>
+    </p:extLst>
+  </p:cSld>
+  <p:clrMapOvr>
+    <a:masterClrMapping/>
+  </p:clrMapOvr>
+</p:sld>
+</file>
+
+<file path=ppt/slides/slide19.xml><?xml version="1.0" encoding="utf-8"?>
+<p:sld xmlns:a="http://schemas.openxmlformats.org/drawingml/2006/main" xmlns:r="http://schemas.openxmlformats.org/officeDocument/2006/relationships" xmlns:p="http://schemas.openxmlformats.org/presentationml/2006/main">
+  <p:cSld>
+    <p:spTree>
+      <p:nvGrpSpPr>
+        <p:cNvPr id="1" name=""/>
+        <p:cNvGrpSpPr/>
+        <p:nvPr/>
+      </p:nvGrpSpPr>
+      <p:grpSpPr>
+        <a:xfrm>
+          <a:off x="0" y="0"/>
+          <a:ext cx="0" cy="0"/>
+          <a:chOff x="0" y="0"/>
+          <a:chExt cx="0" cy="0"/>
+        </a:xfrm>
+      </p:grpSpPr>
+      <p:sp>
+        <p:nvSpPr>
+          <p:cNvPr id="2" name="Tytuł 1">
+            <a:extLst>
+              <a:ext uri="{FF2B5EF4-FFF2-40B4-BE49-F238E27FC236}">
                 <a16:creationId xmlns:a16="http://schemas.microsoft.com/office/drawing/2014/main" id="{5C70246F-AAF1-6840-8095-80C3CF11CBB0}"/>
               </a:ext>
             </a:extLst>
@@ -4736,7 +4913,7 @@
             </a:r>
             <a:r>
               <a:rPr lang="pl-PL" sz="2800" b="1" dirty="0"/>
-              <a:t> = 0</a:t>
+              <a:t> &gt; 0</a:t>
             </a:r>
             <a:r>
               <a:rPr lang="pl-PL" sz="2800" dirty="0"/>
@@ -4993,7 +5170,7 @@
           <a:p>
             <a:r>
               <a:rPr lang="pl-PL" dirty="0"/>
-              <a:t>Drzewo binarne</a:t>
+              <a:t>Drzewo Binarne</a:t>
             </a:r>
           </a:p>
         </p:txBody>
@@ -5149,7 +5326,7 @@
           <a:p>
             <a:r>
               <a:rPr lang="pl-PL" dirty="0"/>
-              <a:t>Trójkąt Sierpińskiego</a:t>
+              <a:t>Drzewo Binarne</a:t>
             </a:r>
           </a:p>
         </p:txBody>
@@ -5176,65 +5353,72 @@
           </a:bodyPr>
           <a:lstStyle/>
           <a:p>
+            <a:pPr marL="0" indent="0">
+              <a:buNone/>
+            </a:pPr>
             <a:r>
               <a:rPr lang="pl-PL" dirty="0"/>
-              <a:t>Jest to fraktal, więc ma powtarzalną strukturę</a:t>
-            </a:r>
-          </a:p>
-          <a:p>
+              <a:t>Jego wygląd zależny jest od:</a:t>
+            </a:r>
+          </a:p>
+          <a:p>
+            <a:pPr lvl="1"/>
             <a:r>
               <a:rPr lang="pl-PL" sz="2800" dirty="0"/>
-              <a:t>Drzewo binarne składa się z </a:t>
-            </a:r>
-            <a:r>
-              <a:rPr lang="pl-PL" sz="2800" b="1" dirty="0"/>
-              <a:t>linii (gałęzi)</a:t>
-            </a:r>
+              <a:t>Stopnia</a:t>
+            </a:r>
+          </a:p>
+          <a:p>
+            <a:pPr lvl="1"/>
             <a:r>
               <a:rPr lang="pl-PL" sz="2800" dirty="0"/>
-              <a:t> i </a:t>
-            </a:r>
-            <a:r>
-              <a:rPr lang="pl-PL" sz="2800" b="1" dirty="0">
-                <a:solidFill>
-                  <a:schemeClr val="accent6"/>
-                </a:solidFill>
-              </a:rPr>
-              <a:t>dwóch drzew binarnych</a:t>
-            </a:r>
-            <a:r>
-              <a:rPr lang="pl-PL" sz="2800" dirty="0"/>
-              <a:t> o </a:t>
-            </a:r>
-            <a:r>
-              <a:rPr lang="pl-PL" sz="2800" b="1" dirty="0">
-                <a:solidFill>
-                  <a:schemeClr val="accent1"/>
-                </a:solidFill>
-              </a:rPr>
-              <a:t>stopniu o jeden mniejszym </a:t>
-            </a:r>
-            <a:r>
-              <a:rPr lang="pl-PL" sz="2800" dirty="0"/>
-              <a:t>i </a:t>
-            </a:r>
-            <a:r>
-              <a:rPr lang="pl-PL" sz="2800" b="1" dirty="0">
-                <a:solidFill>
-                  <a:srgbClr val="7030A0"/>
-                </a:solidFill>
-              </a:rPr>
-              <a:t>dwa razy krótszej linii</a:t>
-            </a:r>
+              <a:t>Początkowej długości linii</a:t>
+            </a:r>
+          </a:p>
+          <a:p>
+            <a:pPr marL="0" indent="0">
+              <a:buNone/>
+            </a:pPr>
+            <a:endParaRPr lang="en-US" sz="3200" dirty="0"/>
+          </a:p>
+          <a:p>
+            <a:pPr marL="0" indent="0">
+              <a:buNone/>
+            </a:pPr>
+            <a:r>
+              <a:rPr lang="en-US" dirty="0"/>
+              <a:t>Jest to fractal, </a:t>
+            </a:r>
+            <a:r>
+              <a:rPr lang="en-US" dirty="0" err="1"/>
+              <a:t>więc</a:t>
+            </a:r>
+            <a:r>
+              <a:rPr lang="en-US" dirty="0"/>
+              <a:t> ma </a:t>
+            </a:r>
+            <a:r>
+              <a:rPr lang="en-US" dirty="0" err="1"/>
+              <a:t>powtarzalną</a:t>
+            </a:r>
+            <a:r>
+              <a:rPr lang="en-US" dirty="0"/>
+              <a:t> </a:t>
+            </a:r>
+            <a:r>
+              <a:rPr lang="en-US" dirty="0" err="1"/>
+              <a:t>strukturę</a:t>
+            </a:r>
+            <a:endParaRPr lang="pl-PL" dirty="0"/>
           </a:p>
         </p:txBody>
       </p:sp>
       <p:pic>
         <p:nvPicPr>
-          <p:cNvPr id="5" name="Obraz 4">
-            <a:extLst>
-              <a:ext uri="{FF2B5EF4-FFF2-40B4-BE49-F238E27FC236}">
-                <a16:creationId xmlns:a16="http://schemas.microsoft.com/office/drawing/2014/main" id="{03350CF7-560E-4141-BDFB-661A88CEFB0D}"/>
+          <p:cNvPr id="4" name="Obraz 3">
+            <a:extLst>
+              <a:ext uri="{FF2B5EF4-FFF2-40B4-BE49-F238E27FC236}">
+                <a16:creationId xmlns:a16="http://schemas.microsoft.com/office/drawing/2014/main" id="{3781C732-B97D-43DB-AB23-8F8A7CE29460}"/>
               </a:ext>
             </a:extLst>
           </p:cNvPr>
@@ -5268,7 +5452,7 @@
     </p:spTree>
     <p:extLst>
       <p:ext uri="{BB962C8B-B14F-4D97-AF65-F5344CB8AC3E}">
-        <p14:creationId xmlns:p14="http://schemas.microsoft.com/office/powerpoint/2010/main" val="2858779113"/>
+        <p14:creationId xmlns:p14="http://schemas.microsoft.com/office/powerpoint/2010/main" val="586124890"/>
       </p:ext>
     </p:extLst>
   </p:cSld>
@@ -7741,6 +7925,14 @@
 <file path=ppt/slides/slide8.xml><?xml version="1.0" encoding="utf-8"?>
 <p:sld xmlns:a="http://schemas.openxmlformats.org/drawingml/2006/main" xmlns:r="http://schemas.openxmlformats.org/officeDocument/2006/relationships" xmlns:p="http://schemas.openxmlformats.org/presentationml/2006/main">
   <p:cSld>
+    <p:bg>
+      <p:bgPr>
+        <a:solidFill>
+          <a:schemeClr val="bg1"/>
+        </a:solidFill>
+        <a:effectLst/>
+      </p:bgPr>
+    </p:bg>
     <p:spTree>
       <p:nvGrpSpPr>
         <p:cNvPr id="1" name=""/>
@@ -7760,7 +7952,7 @@
           <p:cNvPr id="2" name="Tytuł 1">
             <a:extLst>
               <a:ext uri="{FF2B5EF4-FFF2-40B4-BE49-F238E27FC236}">
-                <a16:creationId xmlns:a16="http://schemas.microsoft.com/office/drawing/2014/main" id="{F44F6C08-98C7-4A74-B0A7-2639813D39CD}"/>
+                <a16:creationId xmlns:a16="http://schemas.microsoft.com/office/drawing/2014/main" id="{63A1FC7A-9AFF-4233-8ACB-FAFA28DA8F07}"/>
               </a:ext>
             </a:extLst>
           </p:cNvPr>
@@ -7771,27 +7963,28 @@
             <p:ph type="title"/>
           </p:nvPr>
         </p:nvSpPr>
-        <p:spPr/>
-        <p:txBody>
-          <a:bodyPr/>
+        <p:spPr>
+          <a:xfrm>
+            <a:off x="648929" y="629266"/>
+            <a:ext cx="5127031" cy="1676603"/>
+          </a:xfrm>
+        </p:spPr>
+        <p:txBody>
+          <a:bodyPr>
+            <a:normAutofit/>
+          </a:bodyPr>
           <a:lstStyle/>
           <a:p>
             <a:r>
               <a:rPr lang="pl-PL" dirty="0"/>
-              <a:t>Konstrukcja algorytmu</a:t>
-            </a:r>
-          </a:p>
-        </p:txBody>
-      </p:sp>
-      <p:sp>
-        <p:nvSpPr>
-          <p:cNvPr id="3" name="Symbol zastępczy zawartości 2">
-            <a:extLst>
-              <a:ext uri="{FF2B5EF4-FFF2-40B4-BE49-F238E27FC236}">
-                <a16:creationId xmlns:a16="http://schemas.microsoft.com/office/drawing/2014/main" id="{3C3DD2C3-8753-4079-B532-9B208404D90A}"/>
-              </a:ext>
-            </a:extLst>
-          </p:cNvPr>
+              <a:t>Drzewo Binarne</a:t>
+            </a:r>
+          </a:p>
+        </p:txBody>
+      </p:sp>
+      <p:sp>
+        <p:nvSpPr>
+          <p:cNvPr id="10" name="Content Placeholder 9"/>
           <p:cNvSpPr>
             <a:spLocks noGrp="1"/>
           </p:cNvSpPr>
@@ -7799,104 +7992,108 @@
             <p:ph idx="1"/>
           </p:nvPr>
         </p:nvSpPr>
-        <p:spPr/>
-        <p:txBody>
-          <a:bodyPr/>
-          <a:lstStyle/>
-          <a:p>
-            <a:r>
-              <a:rPr lang="pl-PL" dirty="0"/>
-              <a:t>Projektujemy działanie funkcji rysującej Drzewo Binarne:</a:t>
-            </a:r>
-          </a:p>
-          <a:p>
-            <a:pPr marL="0" indent="0" algn="ctr">
+        <p:spPr>
+          <a:xfrm>
+            <a:off x="648930" y="2438400"/>
+            <a:ext cx="5127029" cy="3785419"/>
+          </a:xfrm>
+        </p:spPr>
+        <p:txBody>
+          <a:bodyPr>
+            <a:normAutofit/>
+          </a:bodyPr>
+          <a:lstStyle/>
+          <a:p>
+            <a:pPr marL="0" indent="0">
               <a:buNone/>
             </a:pPr>
             <a:r>
-              <a:rPr lang="pl-PL" b="1" dirty="0" err="1"/>
-              <a:t>drzewo_binarne</a:t>
-            </a:r>
-            <a:r>
-              <a:rPr lang="pl-PL" b="1" dirty="0"/>
-              <a:t>(</a:t>
-            </a:r>
-            <a:r>
-              <a:rPr lang="pl-PL" b="1" dirty="0" err="1"/>
-              <a:t>stopien</a:t>
-            </a:r>
-            <a:r>
-              <a:rPr lang="pl-PL" b="1" dirty="0"/>
-              <a:t>, </a:t>
-            </a:r>
-            <a:r>
-              <a:rPr lang="pl-PL" b="1" dirty="0" err="1"/>
-              <a:t>dlugosc</a:t>
-            </a:r>
-            <a:r>
-              <a:rPr lang="pl-PL" b="1" dirty="0"/>
-              <a:t>)</a:t>
-            </a:r>
-          </a:p>
-          <a:p>
-            <a:r>
-              <a:rPr lang="pl-PL" dirty="0"/>
-              <a:t>Funkcja będzie rysować Drzewo Binarne dla danego stopnia i zadanej początkowej długości linii</a:t>
-            </a:r>
-          </a:p>
-          <a:p>
-            <a:r>
-              <a:rPr lang="pl-PL" dirty="0"/>
-              <a:t>Skoro Drzewo Binarne składa się z dwóch Drzew Binarnych o stopniu o jeden mniejszym, to będziemy używać </a:t>
-            </a:r>
-            <a:r>
-              <a:rPr lang="pl-PL" b="1" dirty="0" err="1">
+              <a:rPr lang="pl-PL" sz="2800" dirty="0"/>
+              <a:t>Drzewo binarne składa się z </a:t>
+            </a:r>
+            <a:r>
+              <a:rPr lang="pl-PL" sz="2800" b="1" dirty="0"/>
+              <a:t>linii (gałęzi)</a:t>
+            </a:r>
+            <a:r>
+              <a:rPr lang="pl-PL" sz="2800" dirty="0"/>
+              <a:t> i </a:t>
+            </a:r>
+            <a:r>
+              <a:rPr lang="pl-PL" sz="2800" b="1" dirty="0">
+                <a:solidFill>
+                  <a:schemeClr val="accent6"/>
+                </a:solidFill>
+              </a:rPr>
+              <a:t>dwóch drzew binarnych</a:t>
+            </a:r>
+            <a:r>
+              <a:rPr lang="pl-PL" sz="2800" dirty="0"/>
+              <a:t> o </a:t>
+            </a:r>
+            <a:r>
+              <a:rPr lang="pl-PL" sz="2800" b="1" dirty="0">
                 <a:solidFill>
                   <a:schemeClr val="accent1"/>
                 </a:solidFill>
               </a:rPr>
-              <a:t>wywołań</a:t>
-            </a:r>
-            <a:r>
-              <a:rPr lang="pl-PL" b="1" dirty="0">
+              <a:t>stopniu o jeden mniejszym </a:t>
+            </a:r>
+            <a:r>
+              <a:rPr lang="pl-PL" sz="2800" dirty="0"/>
+              <a:t>i </a:t>
+            </a:r>
+            <a:r>
+              <a:rPr lang="pl-PL" sz="2800" b="1" dirty="0">
                 <a:solidFill>
-                  <a:schemeClr val="accent1"/>
+                  <a:srgbClr val="7030A0"/>
                 </a:solidFill>
               </a:rPr>
-              <a:t> rekurencyjnych</a:t>
-            </a:r>
-          </a:p>
-          <a:p>
-            <a:pPr algn="ctr">
-              <a:buNone/>
-            </a:pPr>
-            <a:r>
-              <a:rPr lang="pl-PL" b="1" dirty="0" err="1"/>
-              <a:t>drzewo_binarne</a:t>
-            </a:r>
-            <a:r>
-              <a:rPr lang="pl-PL" b="1" dirty="0"/>
-              <a:t>(stopien-1, </a:t>
-            </a:r>
-            <a:r>
-              <a:rPr lang="pl-PL" b="1" dirty="0" err="1"/>
-              <a:t>dlugosc</a:t>
-            </a:r>
-            <a:r>
-              <a:rPr lang="pl-PL" b="1" dirty="0"/>
-              <a:t>/2)</a:t>
-            </a:r>
-          </a:p>
-          <a:p>
-            <a:pPr algn="ctr"/>
-            <a:endParaRPr lang="pl-PL" dirty="0"/>
-          </a:p>
-        </p:txBody>
-      </p:sp>
+              <a:t>dwa razy krótszej linii</a:t>
+            </a:r>
+          </a:p>
+        </p:txBody>
+      </p:sp>
+      <p:pic>
+        <p:nvPicPr>
+          <p:cNvPr id="5" name="Obraz 4">
+            <a:extLst>
+              <a:ext uri="{FF2B5EF4-FFF2-40B4-BE49-F238E27FC236}">
+                <a16:creationId xmlns:a16="http://schemas.microsoft.com/office/drawing/2014/main" id="{03350CF7-560E-4141-BDFB-661A88CEFB0D}"/>
+              </a:ext>
+            </a:extLst>
+          </p:cNvPr>
+          <p:cNvPicPr>
+            <a:picLocks noChangeAspect="1"/>
+          </p:cNvPicPr>
+          <p:nvPr/>
+        </p:nvPicPr>
+        <p:blipFill>
+          <a:blip r:embed="rId2">
+            <a:extLst>
+              <a:ext uri="{28A0092B-C50C-407E-A947-70E740481C1C}">
+                <a14:useLocalDpi xmlns:a14="http://schemas.microsoft.com/office/drawing/2010/main" val="0"/>
+              </a:ext>
+            </a:extLst>
+          </a:blip>
+          <a:stretch>
+            <a:fillRect/>
+          </a:stretch>
+        </p:blipFill>
+        <p:spPr>
+          <a:xfrm>
+            <a:off x="5850745" y="182527"/>
+            <a:ext cx="5692325" cy="6492946"/>
+          </a:xfrm>
+          <a:prstGeom prst="rect">
+            <a:avLst/>
+          </a:prstGeom>
+        </p:spPr>
+      </p:pic>
     </p:spTree>
     <p:extLst>
       <p:ext uri="{BB962C8B-B14F-4D97-AF65-F5344CB8AC3E}">
-        <p14:creationId xmlns:p14="http://schemas.microsoft.com/office/powerpoint/2010/main" val="551350929"/>
+        <p14:creationId xmlns:p14="http://schemas.microsoft.com/office/powerpoint/2010/main" val="2858779113"/>
       </p:ext>
     </p:extLst>
   </p:cSld>
@@ -7928,7 +8125,7 @@
           <p:cNvPr id="2" name="Tytuł 1">
             <a:extLst>
               <a:ext uri="{FF2B5EF4-FFF2-40B4-BE49-F238E27FC236}">
-                <a16:creationId xmlns:a16="http://schemas.microsoft.com/office/drawing/2014/main" id="{CB489173-1272-CF41-8C24-BCD29AB023C3}"/>
+                <a16:creationId xmlns:a16="http://schemas.microsoft.com/office/drawing/2014/main" id="{F44F6C08-98C7-4A74-B0A7-2639813D39CD}"/>
               </a:ext>
             </a:extLst>
           </p:cNvPr>
@@ -7946,7 +8143,7 @@
           <a:p>
             <a:r>
               <a:rPr lang="pl-PL" dirty="0"/>
-              <a:t>Konstrukcja algorytmu c.d.</a:t>
+              <a:t>Konstrukcja algorytmu</a:t>
             </a:r>
           </a:p>
         </p:txBody>
@@ -7956,7 +8153,7 @@
           <p:cNvPr id="3" name="Symbol zastępczy zawartości 2">
             <a:extLst>
               <a:ext uri="{FF2B5EF4-FFF2-40B4-BE49-F238E27FC236}">
-                <a16:creationId xmlns:a16="http://schemas.microsoft.com/office/drawing/2014/main" id="{04085F3C-C782-034F-95D9-E754B58159B0}"/>
+                <a16:creationId xmlns:a16="http://schemas.microsoft.com/office/drawing/2014/main" id="{3C3DD2C3-8753-4079-B532-9B208404D90A}"/>
               </a:ext>
             </a:extLst>
           </p:cNvPr>
@@ -7972,65 +8169,91 @@
           <a:bodyPr/>
           <a:lstStyle/>
           <a:p>
-            <a:pPr>
-              <a:lnSpc>
-                <a:spcPct val="100000"/>
-              </a:lnSpc>
+            <a:r>
+              <a:rPr lang="pl-PL" dirty="0"/>
+              <a:t>Projektujemy działanie funkcji rysującej Drzewo Binarne:</a:t>
+            </a:r>
+          </a:p>
+          <a:p>
+            <a:pPr marL="0" indent="0" algn="ctr">
+              <a:buNone/>
             </a:pPr>
             <a:r>
+              <a:rPr lang="pl-PL" b="1" dirty="0" err="1"/>
+              <a:t>drzewo_binarne</a:t>
+            </a:r>
+            <a:r>
+              <a:rPr lang="pl-PL" b="1" dirty="0"/>
+              <a:t>(</a:t>
+            </a:r>
+            <a:r>
+              <a:rPr lang="pl-PL" b="1" dirty="0" err="1"/>
+              <a:t>stopien</a:t>
+            </a:r>
+            <a:r>
+              <a:rPr lang="pl-PL" b="1" dirty="0"/>
+              <a:t>, </a:t>
+            </a:r>
+            <a:r>
+              <a:rPr lang="pl-PL" b="1" dirty="0" err="1"/>
+              <a:t>dlugosc</a:t>
+            </a:r>
+            <a:r>
+              <a:rPr lang="pl-PL" b="1" dirty="0"/>
+              <a:t>)</a:t>
+            </a:r>
+          </a:p>
+          <a:p>
+            <a:r>
               <a:rPr lang="pl-PL" dirty="0"/>
-              <a:t>Jeśli wiemy już jak będziemy korzystać z rekurencji możemy przystąpić do konstrukcji funkcji rekurencyjnej.</a:t>
-            </a:r>
-          </a:p>
-          <a:p>
-            <a:pPr>
-              <a:lnSpc>
-                <a:spcPct val="100000"/>
-              </a:lnSpc>
-            </a:pPr>
+              <a:t>Funkcja będzie rysować Drzewo Binarne dla danego stopnia i zadanej początkowej długości linii</a:t>
+            </a:r>
+          </a:p>
+          <a:p>
             <a:r>
               <a:rPr lang="pl-PL" dirty="0"/>
-              <a:t>Szczególnie zadbać musimy o to, aby:</a:t>
-            </a:r>
-          </a:p>
-          <a:p>
-            <a:pPr marL="971550" lvl="1" indent="-514350">
-              <a:lnSpc>
-                <a:spcPct val="100000"/>
-              </a:lnSpc>
-              <a:buFont typeface="+mj-lt"/>
-              <a:buAutoNum type="arabicPeriod"/>
-            </a:pPr>
-            <a:r>
-              <a:rPr lang="pl-PL" sz="2800" dirty="0"/>
-              <a:t>Rekurencja zatrzymała się w odpowiednim momencie – </a:t>
-            </a:r>
-            <a:r>
-              <a:rPr lang="pl-PL" sz="2800" b="1" i="1" u="sng" dirty="0">
+              <a:t>Skoro Drzewo Binarne składa się z dwóch Drzew Binarnych o stopniu o jeden mniejszym, to będziemy używać </a:t>
+            </a:r>
+            <a:r>
+              <a:rPr lang="pl-PL" b="1" dirty="0" err="1">
                 <a:solidFill>
-                  <a:srgbClr val="FF0000"/>
+                  <a:schemeClr val="accent1"/>
                 </a:solidFill>
               </a:rPr>
-              <a:t>warunek stopu</a:t>
-            </a:r>
-          </a:p>
-          <a:p>
-            <a:pPr marL="971550" lvl="1" indent="-514350">
-              <a:lnSpc>
-                <a:spcPct val="100000"/>
-              </a:lnSpc>
-              <a:buFont typeface="+mj-lt"/>
-              <a:buAutoNum type="arabicPeriod"/>
-            </a:pPr>
-            <a:r>
-              <a:rPr lang="pl-PL" sz="2800" dirty="0"/>
-              <a:t>Wywołania rekurencyjne miały odpowiednie wartości parametrów</a:t>
-            </a:r>
-          </a:p>
-          <a:p>
-            <a:pPr marL="457200" lvl="1" indent="0">
+              <a:t>wywołań</a:t>
+            </a:r>
+            <a:r>
+              <a:rPr lang="pl-PL" b="1" dirty="0">
+                <a:solidFill>
+                  <a:schemeClr val="accent1"/>
+                </a:solidFill>
+              </a:rPr>
+              <a:t> rekurencyjnych</a:t>
+            </a:r>
+          </a:p>
+          <a:p>
+            <a:pPr algn="ctr">
               <a:buNone/>
             </a:pPr>
+            <a:r>
+              <a:rPr lang="pl-PL" b="1" dirty="0" err="1"/>
+              <a:t>drzewo_binarne</a:t>
+            </a:r>
+            <a:r>
+              <a:rPr lang="pl-PL" b="1" dirty="0"/>
+              <a:t>(stopien-1, </a:t>
+            </a:r>
+            <a:r>
+              <a:rPr lang="pl-PL" b="1" dirty="0" err="1"/>
+              <a:t>dlugosc</a:t>
+            </a:r>
+            <a:r>
+              <a:rPr lang="pl-PL" b="1" dirty="0"/>
+              <a:t>/2)</a:t>
+            </a:r>
+          </a:p>
+          <a:p>
+            <a:pPr algn="ctr"/>
             <a:endParaRPr lang="pl-PL" dirty="0"/>
           </a:p>
         </p:txBody>
@@ -8038,7 +8261,7 @@
     </p:spTree>
     <p:extLst>
       <p:ext uri="{BB962C8B-B14F-4D97-AF65-F5344CB8AC3E}">
-        <p14:creationId xmlns:p14="http://schemas.microsoft.com/office/powerpoint/2010/main" val="1028150353"/>
+        <p14:creationId xmlns:p14="http://schemas.microsoft.com/office/powerpoint/2010/main" val="551350929"/>
       </p:ext>
     </p:extLst>
   </p:cSld>

--- a/Wprowadzenie do rekurencji/III. Wprowadzenie do rekurencji/Drzewo Binarne - algorytm.pptx
+++ b/Wprowadzenie do rekurencji/III. Wprowadzenie do rekurencji/Drzewo Binarne - algorytm.pptx
@@ -5387,7 +5387,15 @@
             </a:pPr>
             <a:r>
               <a:rPr lang="en-US" dirty="0"/>
-              <a:t>Jest to fractal, </a:t>
+              <a:t>Jest to </a:t>
+            </a:r>
+            <a:r>
+              <a:rPr lang="en-US" dirty="0" err="1"/>
+              <a:t>fraktal</a:t>
+            </a:r>
+            <a:r>
+              <a:rPr lang="en-US" dirty="0"/>
+              <a:t>, </a:t>
             </a:r>
             <a:r>
               <a:rPr lang="en-US" dirty="0" err="1"/>
